--- a/Robot-Web.pptx
+++ b/Robot-Web.pptx
@@ -163,7 +163,7 @@
   </p:defaultTextStyle>
   <p:extLst>
     <p:ext uri="{EFAFB233-063F-42B5-8137-9DF3F51BA10A}">
-      <p15:sldGuideLst xmlns="" xmlns:p15="http://schemas.microsoft.com/office/powerpoint/2012/main">
+      <p15:sldGuideLst xmlns:p15="http://schemas.microsoft.com/office/powerpoint/2012/main" xmlns="">
         <p15:guide id="1" orient="horz" pos="2160">
           <p15:clr>
             <a:srgbClr val="A4A3A4"/>
@@ -359,7 +359,7 @@
           <a:p>
             <a:fld id="{F5F0C085-258C-4E6F-9065-AD4DDDC025DA}" type="datetimeFigureOut">
               <a:rPr lang="en-US" smtClean="0"/>
-              <a:t>25/08/2018</a:t>
+              <a:t>26/08/2018</a:t>
             </a:fld>
             <a:endParaRPr lang="en-US"/>
           </a:p>
@@ -527,7 +527,7 @@
           <a:p>
             <a:fld id="{F5F0C085-258C-4E6F-9065-AD4DDDC025DA}" type="datetimeFigureOut">
               <a:rPr lang="en-US" smtClean="0"/>
-              <a:t>25/08/2018</a:t>
+              <a:t>26/08/2018</a:t>
             </a:fld>
             <a:endParaRPr lang="en-US"/>
           </a:p>
@@ -705,7 +705,7 @@
           <a:p>
             <a:fld id="{F5F0C085-258C-4E6F-9065-AD4DDDC025DA}" type="datetimeFigureOut">
               <a:rPr lang="en-US" smtClean="0"/>
-              <a:t>25/08/2018</a:t>
+              <a:t>26/08/2018</a:t>
             </a:fld>
             <a:endParaRPr lang="en-US"/>
           </a:p>
@@ -873,7 +873,7 @@
           <a:p>
             <a:fld id="{F5F0C085-258C-4E6F-9065-AD4DDDC025DA}" type="datetimeFigureOut">
               <a:rPr lang="en-US" smtClean="0"/>
-              <a:t>25/08/2018</a:t>
+              <a:t>26/08/2018</a:t>
             </a:fld>
             <a:endParaRPr lang="en-US"/>
           </a:p>
@@ -1118,7 +1118,7 @@
           <a:p>
             <a:fld id="{F5F0C085-258C-4E6F-9065-AD4DDDC025DA}" type="datetimeFigureOut">
               <a:rPr lang="en-US" smtClean="0"/>
-              <a:t>25/08/2018</a:t>
+              <a:t>26/08/2018</a:t>
             </a:fld>
             <a:endParaRPr lang="en-US"/>
           </a:p>
@@ -1403,7 +1403,7 @@
           <a:p>
             <a:fld id="{F5F0C085-258C-4E6F-9065-AD4DDDC025DA}" type="datetimeFigureOut">
               <a:rPr lang="en-US" smtClean="0"/>
-              <a:t>25/08/2018</a:t>
+              <a:t>26/08/2018</a:t>
             </a:fld>
             <a:endParaRPr lang="en-US"/>
           </a:p>
@@ -1822,7 +1822,7 @@
           <a:p>
             <a:fld id="{F5F0C085-258C-4E6F-9065-AD4DDDC025DA}" type="datetimeFigureOut">
               <a:rPr lang="en-US" smtClean="0"/>
-              <a:t>25/08/2018</a:t>
+              <a:t>26/08/2018</a:t>
             </a:fld>
             <a:endParaRPr lang="en-US"/>
           </a:p>
@@ -1939,7 +1939,7 @@
           <a:p>
             <a:fld id="{F5F0C085-258C-4E6F-9065-AD4DDDC025DA}" type="datetimeFigureOut">
               <a:rPr lang="en-US" smtClean="0"/>
-              <a:t>25/08/2018</a:t>
+              <a:t>26/08/2018</a:t>
             </a:fld>
             <a:endParaRPr lang="en-US"/>
           </a:p>
@@ -2034,7 +2034,7 @@
           <a:p>
             <a:fld id="{F5F0C085-258C-4E6F-9065-AD4DDDC025DA}" type="datetimeFigureOut">
               <a:rPr lang="en-US" smtClean="0"/>
-              <a:t>25/08/2018</a:t>
+              <a:t>26/08/2018</a:t>
             </a:fld>
             <a:endParaRPr lang="en-US"/>
           </a:p>
@@ -2309,7 +2309,7 @@
           <a:p>
             <a:fld id="{F5F0C085-258C-4E6F-9065-AD4DDDC025DA}" type="datetimeFigureOut">
               <a:rPr lang="en-US" smtClean="0"/>
-              <a:t>25/08/2018</a:t>
+              <a:t>26/08/2018</a:t>
             </a:fld>
             <a:endParaRPr lang="en-US"/>
           </a:p>
@@ -2561,7 +2561,7 @@
           <a:p>
             <a:fld id="{F5F0C085-258C-4E6F-9065-AD4DDDC025DA}" type="datetimeFigureOut">
               <a:rPr lang="en-US" smtClean="0"/>
-              <a:t>25/08/2018</a:t>
+              <a:t>26/08/2018</a:t>
             </a:fld>
             <a:endParaRPr lang="en-US"/>
           </a:p>
@@ -2772,7 +2772,7 @@
           <a:p>
             <a:fld id="{F5F0C085-258C-4E6F-9065-AD4DDDC025DA}" type="datetimeFigureOut">
               <a:rPr lang="en-US" smtClean="0"/>
-              <a:t>25/08/2018</a:t>
+              <a:t>26/08/2018</a:t>
             </a:fld>
             <a:endParaRPr lang="en-US"/>
           </a:p>
@@ -3210,7 +3210,7 @@
         <p:spPr bwMode="auto">
           <a:xfrm>
             <a:off x="-473075" y="3014662"/>
-            <a:ext cx="3559175" cy="3293209"/>
+            <a:ext cx="3559175" cy="3539430"/>
           </a:xfrm>
           <a:prstGeom prst="rect">
             <a:avLst/>
@@ -3357,6 +3357,11 @@
             </a:pPr>
             <a:r>
               <a:rPr lang="en-US" sz="1600" dirty="0" smtClean="0">
+                <a:solidFill>
+                  <a:schemeClr val="bg1">
+                    <a:lumMod val="65000"/>
+                  </a:schemeClr>
+                </a:solidFill>
                 <a:latin typeface="Calibri" pitchFamily="34" charset="0"/>
               </a:rPr>
               <a:t>Project Structuring</a:t>
@@ -3369,6 +3374,11 @@
             </a:pPr>
             <a:r>
               <a:rPr lang="en-US" sz="1600" dirty="0" smtClean="0">
+                <a:solidFill>
+                  <a:schemeClr val="bg1">
+                    <a:lumMod val="65000"/>
+                  </a:schemeClr>
+                </a:solidFill>
                 <a:latin typeface="Calibri" pitchFamily="34" charset="0"/>
               </a:rPr>
               <a:t>Select Frame</a:t>
@@ -3381,6 +3391,11 @@
             </a:pPr>
             <a:r>
               <a:rPr lang="en-US" sz="1600" dirty="0" smtClean="0">
+                <a:solidFill>
+                  <a:schemeClr val="bg1">
+                    <a:lumMod val="65000"/>
+                  </a:schemeClr>
+                </a:solidFill>
                 <a:latin typeface="Calibri" pitchFamily="34" charset="0"/>
               </a:rPr>
               <a:t>Upload File</a:t>
@@ -3393,6 +3408,11 @@
             </a:pPr>
             <a:r>
               <a:rPr lang="en-US" sz="1600" dirty="0" smtClean="0">
+                <a:solidFill>
+                  <a:schemeClr val="bg1">
+                    <a:lumMod val="65000"/>
+                  </a:schemeClr>
+                </a:solidFill>
                 <a:latin typeface="Calibri" pitchFamily="34" charset="0"/>
               </a:rPr>
               <a:t>Select Windows</a:t>
@@ -3405,6 +3425,11 @@
             </a:pPr>
             <a:r>
               <a:rPr lang="en-US" sz="1600" dirty="0" smtClean="0">
+                <a:solidFill>
+                  <a:schemeClr val="bg1">
+                    <a:lumMod val="65000"/>
+                  </a:schemeClr>
+                </a:solidFill>
                 <a:latin typeface="Calibri" pitchFamily="34" charset="0"/>
               </a:rPr>
               <a:t>Alert</a:t>
@@ -3417,6 +3442,11 @@
             </a:pPr>
             <a:r>
               <a:rPr lang="en-US" sz="1600" dirty="0" smtClean="0">
+                <a:solidFill>
+                  <a:schemeClr val="bg1">
+                    <a:lumMod val="65000"/>
+                  </a:schemeClr>
+                </a:solidFill>
                 <a:latin typeface="Calibri" pitchFamily="34" charset="0"/>
               </a:rPr>
               <a:t>RF Command Line</a:t>
@@ -3429,6 +3459,11 @@
             </a:pPr>
             <a:r>
               <a:rPr lang="en-US" sz="1600" dirty="0" smtClean="0">
+                <a:solidFill>
+                  <a:schemeClr val="bg1">
+                    <a:lumMod val="65000"/>
+                  </a:schemeClr>
+                </a:solidFill>
                 <a:latin typeface="Calibri" pitchFamily="34" charset="0"/>
               </a:rPr>
               <a:t>Create Custom Lib</a:t>
@@ -3441,6 +3476,11 @@
             </a:pPr>
             <a:r>
               <a:rPr lang="en-US" sz="1600" dirty="0" smtClean="0">
+                <a:solidFill>
+                  <a:schemeClr val="bg1">
+                    <a:lumMod val="65000"/>
+                  </a:schemeClr>
+                </a:solidFill>
                 <a:latin typeface="Calibri" pitchFamily="34" charset="0"/>
               </a:rPr>
               <a:t>Script Control Flow</a:t>
@@ -3479,8 +3519,39 @@
               <a:rPr lang="en-US" sz="1600" dirty="0" smtClean="0">
                 <a:latin typeface="Calibri" pitchFamily="34" charset="0"/>
               </a:rPr>
-              <a:t>API Test</a:t>
-            </a:r>
+              <a:t>API </a:t>
+            </a:r>
+            <a:r>
+              <a:rPr lang="en-US" sz="1600" dirty="0" smtClean="0">
+                <a:latin typeface="Calibri" pitchFamily="34" charset="0"/>
+              </a:rPr>
+              <a:t>Test</a:t>
+            </a:r>
+          </a:p>
+          <a:p>
+            <a:pPr lvl="2" eaLnBrk="1" hangingPunct="1">
+              <a:buFont typeface="Arial" pitchFamily="34" charset="0"/>
+              <a:buChar char="•"/>
+            </a:pPr>
+            <a:r>
+              <a:rPr lang="en-US" sz="1600" dirty="0" smtClean="0">
+                <a:solidFill>
+                  <a:schemeClr val="bg1">
+                    <a:lumMod val="65000"/>
+                  </a:schemeClr>
+                </a:solidFill>
+                <a:latin typeface="Calibri" pitchFamily="34" charset="0"/>
+              </a:rPr>
+              <a:t>Demo Lightning</a:t>
+            </a:r>
+            <a:endParaRPr lang="en-US" sz="1600" dirty="0" smtClean="0">
+              <a:solidFill>
+                <a:schemeClr val="bg1">
+                  <a:lumMod val="65000"/>
+                </a:schemeClr>
+              </a:solidFill>
+              <a:latin typeface="Calibri" pitchFamily="34" charset="0"/>
+            </a:endParaRPr>
           </a:p>
           <a:p>
             <a:pPr lvl="2" eaLnBrk="1" hangingPunct="1">
@@ -3651,6 +3722,11 @@
             </a:pPr>
             <a:r>
               <a:rPr lang="en-US" sz="1600" dirty="0">
+                <a:solidFill>
+                  <a:schemeClr val="bg1">
+                    <a:lumMod val="65000"/>
+                  </a:schemeClr>
+                </a:solidFill>
                 <a:latin typeface="Calibri" pitchFamily="34" charset="0"/>
               </a:rPr>
               <a:t>Locating Element</a:t>
@@ -3663,11 +3739,21 @@
             </a:pPr>
             <a:r>
               <a:rPr lang="en-US" sz="1600" dirty="0" smtClean="0">
+                <a:solidFill>
+                  <a:schemeClr val="bg1">
+                    <a:lumMod val="65000"/>
+                  </a:schemeClr>
+                </a:solidFill>
                 <a:latin typeface="Calibri" pitchFamily="34" charset="0"/>
               </a:rPr>
               <a:t>HTML</a:t>
             </a:r>
             <a:endParaRPr lang="en-US" sz="1600" dirty="0">
+              <a:solidFill>
+                <a:schemeClr val="bg1">
+                  <a:lumMod val="65000"/>
+                </a:schemeClr>
+              </a:solidFill>
               <a:latin typeface="Calibri" pitchFamily="34" charset="0"/>
             </a:endParaRPr>
           </a:p>
@@ -3678,17 +3764,32 @@
             </a:pPr>
             <a:r>
               <a:rPr lang="en-US" sz="1600" dirty="0" smtClean="0">
+                <a:solidFill>
+                  <a:schemeClr val="bg1">
+                    <a:lumMod val="65000"/>
+                  </a:schemeClr>
+                </a:solidFill>
                 <a:latin typeface="Calibri" pitchFamily="34" charset="0"/>
               </a:rPr>
               <a:t>Basic </a:t>
             </a:r>
             <a:r>
               <a:rPr lang="en-US" sz="1600" dirty="0" err="1" smtClean="0">
+                <a:solidFill>
+                  <a:schemeClr val="bg1">
+                    <a:lumMod val="65000"/>
+                  </a:schemeClr>
+                </a:solidFill>
                 <a:latin typeface="Calibri" pitchFamily="34" charset="0"/>
               </a:rPr>
               <a:t>Xpath</a:t>
             </a:r>
             <a:endParaRPr lang="en-US" sz="1600" dirty="0">
+              <a:solidFill>
+                <a:schemeClr val="bg1">
+                  <a:lumMod val="65000"/>
+                </a:schemeClr>
+              </a:solidFill>
               <a:latin typeface="Calibri" pitchFamily="34" charset="0"/>
             </a:endParaRPr>
           </a:p>
@@ -3699,17 +3800,32 @@
             </a:pPr>
             <a:r>
               <a:rPr lang="en-US" sz="1600" dirty="0" smtClean="0">
+                <a:solidFill>
+                  <a:schemeClr val="bg1">
+                    <a:lumMod val="65000"/>
+                  </a:schemeClr>
+                </a:solidFill>
                 <a:latin typeface="Calibri" pitchFamily="34" charset="0"/>
               </a:rPr>
               <a:t>Advance </a:t>
             </a:r>
             <a:r>
               <a:rPr lang="en-US" sz="1600" dirty="0" err="1" smtClean="0">
+                <a:solidFill>
+                  <a:schemeClr val="bg1">
+                    <a:lumMod val="65000"/>
+                  </a:schemeClr>
+                </a:solidFill>
                 <a:latin typeface="Calibri" pitchFamily="34" charset="0"/>
               </a:rPr>
               <a:t>Xpath</a:t>
             </a:r>
             <a:endParaRPr lang="en-US" sz="1600" dirty="0">
+              <a:solidFill>
+                <a:schemeClr val="bg1">
+                  <a:lumMod val="65000"/>
+                </a:schemeClr>
+              </a:solidFill>
               <a:latin typeface="Calibri" pitchFamily="34" charset="0"/>
             </a:endParaRPr>
           </a:p>
@@ -4462,13 +4578,27 @@
                 <a:latin typeface="Arial" pitchFamily="34" charset="0"/>
                 <a:cs typeface="Arial" pitchFamily="34" charset="0"/>
               </a:rPr>
-              <a:t>=//a[contains(text(),’full or partial </a:t>
+              <a:t>=//a[contains(text</a:t>
             </a:r>
             <a:r>
               <a:rPr lang="en-US" sz="2000" dirty="0" smtClean="0">
                 <a:latin typeface="Arial" pitchFamily="34" charset="0"/>
                 <a:cs typeface="Arial" pitchFamily="34" charset="0"/>
               </a:rPr>
+              <a:t>(),’full </a:t>
+            </a:r>
+            <a:r>
+              <a:rPr lang="en-US" sz="2000" dirty="0">
+                <a:latin typeface="Arial" pitchFamily="34" charset="0"/>
+                <a:cs typeface="Arial" pitchFamily="34" charset="0"/>
+              </a:rPr>
+              <a:t>or partial </a:t>
+            </a:r>
+            <a:r>
+              <a:rPr lang="en-US" sz="2000" dirty="0" smtClean="0">
+                <a:latin typeface="Arial" pitchFamily="34" charset="0"/>
+                <a:cs typeface="Arial" pitchFamily="34" charset="0"/>
+              </a:rPr>
               <a:t>text</a:t>
             </a:r>
             <a:r>
@@ -4486,25 +4616,32 @@
               </a:lnSpc>
             </a:pPr>
             <a:r>
+              <a:rPr lang="en-US" sz="2000" dirty="0" smtClean="0">
+                <a:latin typeface="Arial" pitchFamily="34" charset="0"/>
+                <a:cs typeface="Arial" pitchFamily="34" charset="0"/>
+              </a:rPr>
+              <a:t>Click Element </a:t>
+            </a:r>
+            <a:r>
+              <a:rPr lang="en-US" sz="2000" dirty="0" err="1" smtClean="0">
+                <a:latin typeface="Arial" pitchFamily="34" charset="0"/>
+                <a:cs typeface="Arial" pitchFamily="34" charset="0"/>
+              </a:rPr>
+              <a:t>xpath</a:t>
+            </a:r>
+            <a:r>
+              <a:rPr lang="en-US" sz="2000" dirty="0" smtClean="0">
+                <a:latin typeface="Arial" pitchFamily="34" charset="0"/>
+                <a:cs typeface="Arial" pitchFamily="34" charset="0"/>
+              </a:rPr>
+              <a:t>=//a[contains</a:t>
+            </a:r>
+            <a:r>
               <a:rPr lang="en-US" sz="2000" dirty="0">
                 <a:latin typeface="Arial" pitchFamily="34" charset="0"/>
                 <a:cs typeface="Arial" pitchFamily="34" charset="0"/>
               </a:rPr>
-              <a:t>Click Element </a:t>
-            </a:r>
-            <a:r>
-              <a:rPr lang="en-US" sz="2000" dirty="0" err="1">
-                <a:latin typeface="Arial" pitchFamily="34" charset="0"/>
-                <a:cs typeface="Arial" pitchFamily="34" charset="0"/>
-              </a:rPr>
-              <a:t>xpath</a:t>
-            </a:r>
-            <a:r>
-              <a:rPr lang="en-US" sz="2000" dirty="0">
-                <a:latin typeface="Arial" pitchFamily="34" charset="0"/>
-                <a:cs typeface="Arial" pitchFamily="34" charset="0"/>
-              </a:rPr>
-              <a:t>=//a[contains(.,’full or partial </a:t>
+              <a:t>(.,’full or partial </a:t>
             </a:r>
             <a:r>
               <a:rPr lang="en-US" sz="2000" dirty="0" smtClean="0">
@@ -4514,12 +4651,23 @@
               <a:t>text</a:t>
             </a:r>
             <a:r>
-              <a:rPr lang="en-US" sz="2000" dirty="0">
+              <a:rPr lang="en-US" sz="2000" dirty="0" smtClean="0">
                 <a:latin typeface="Arial" pitchFamily="34" charset="0"/>
                 <a:cs typeface="Arial" pitchFamily="34" charset="0"/>
               </a:rPr>
               <a:t>’)]</a:t>
             </a:r>
+          </a:p>
+          <a:p>
+            <a:pPr lvl="1">
+              <a:lnSpc>
+                <a:spcPct val="150000"/>
+              </a:lnSpc>
+            </a:pPr>
+            <a:endParaRPr lang="en-US" sz="2000" dirty="0" smtClean="0">
+              <a:latin typeface="Arial" pitchFamily="34" charset="0"/>
+              <a:cs typeface="Arial" pitchFamily="34" charset="0"/>
+            </a:endParaRPr>
           </a:p>
           <a:p>
             <a:pPr>
@@ -5006,7 +5154,7 @@
           <p:cNvPr id="2" name="Title 1">
             <a:extLst>
               <a:ext uri="{FF2B5EF4-FFF2-40B4-BE49-F238E27FC236}">
-                <a16:creationId xmlns="" xmlns:a16="http://schemas.microsoft.com/office/drawing/2014/main" id="{0266D3F6-82D5-437B-AC00-2DDC88D276F7}"/>
+                <a16:creationId xmlns:a16="http://schemas.microsoft.com/office/drawing/2014/main" xmlns="" id="{0266D3F6-82D5-437B-AC00-2DDC88D276F7}"/>
               </a:ext>
             </a:extLst>
           </p:cNvPr>
@@ -5403,7 +5551,7 @@
           <p:cNvPr id="2" name="Title 1">
             <a:extLst>
               <a:ext uri="{FF2B5EF4-FFF2-40B4-BE49-F238E27FC236}">
-                <a16:creationId xmlns="" xmlns:a16="http://schemas.microsoft.com/office/drawing/2014/main" id="{0266D3F6-82D5-437B-AC00-2DDC88D276F7}"/>
+                <a16:creationId xmlns:a16="http://schemas.microsoft.com/office/drawing/2014/main" xmlns="" id="{0266D3F6-82D5-437B-AC00-2DDC88D276F7}"/>
               </a:ext>
             </a:extLst>
           </p:cNvPr>
@@ -5748,7 +5896,7 @@
           <p:cNvPr id="2" name="Title 1">
             <a:extLst>
               <a:ext uri="{FF2B5EF4-FFF2-40B4-BE49-F238E27FC236}">
-                <a16:creationId xmlns="" xmlns:a16="http://schemas.microsoft.com/office/drawing/2014/main" id="{0266D3F6-82D5-437B-AC00-2DDC88D276F7}"/>
+                <a16:creationId xmlns:a16="http://schemas.microsoft.com/office/drawing/2014/main" xmlns="" id="{0266D3F6-82D5-437B-AC00-2DDC88D276F7}"/>
               </a:ext>
             </a:extLst>
           </p:cNvPr>
@@ -5996,7 +6144,7 @@
           <p:cNvPr id="7" name="Picture 6">
             <a:extLst>
               <a:ext uri="{FF2B5EF4-FFF2-40B4-BE49-F238E27FC236}">
-                <a16:creationId xmlns="" xmlns:a16="http://schemas.microsoft.com/office/drawing/2014/main" id="{40BCA065-C687-435B-8A9D-021A04176D2D}"/>
+                <a16:creationId xmlns:a16="http://schemas.microsoft.com/office/drawing/2014/main" xmlns="" id="{40BCA065-C687-435B-8A9D-021A04176D2D}"/>
               </a:ext>
             </a:extLst>
           </p:cNvPr>
@@ -6432,7 +6580,7 @@
           <p:cNvPr id="2" name="Title 1">
             <a:extLst>
               <a:ext uri="{FF2B5EF4-FFF2-40B4-BE49-F238E27FC236}">
-                <a16:creationId xmlns="" xmlns:a16="http://schemas.microsoft.com/office/drawing/2014/main" id="{0266D3F6-82D5-437B-AC00-2DDC88D276F7}"/>
+                <a16:creationId xmlns:a16="http://schemas.microsoft.com/office/drawing/2014/main" xmlns="" id="{0266D3F6-82D5-437B-AC00-2DDC88D276F7}"/>
               </a:ext>
             </a:extLst>
           </p:cNvPr>
@@ -6514,7 +6662,7 @@
           <p:cNvPr id="2" name="Title 1">
             <a:extLst>
               <a:ext uri="{FF2B5EF4-FFF2-40B4-BE49-F238E27FC236}">
-                <a16:creationId xmlns="" xmlns:a16="http://schemas.microsoft.com/office/drawing/2014/main" id="{0266D3F6-82D5-437B-AC00-2DDC88D276F7}"/>
+                <a16:creationId xmlns:a16="http://schemas.microsoft.com/office/drawing/2014/main" xmlns="" id="{0266D3F6-82D5-437B-AC00-2DDC88D276F7}"/>
               </a:ext>
             </a:extLst>
           </p:cNvPr>
@@ -6835,7 +6983,7 @@
           <p:cNvPr id="2" name="Title 1">
             <a:extLst>
               <a:ext uri="{FF2B5EF4-FFF2-40B4-BE49-F238E27FC236}">
-                <a16:creationId xmlns="" xmlns:a16="http://schemas.microsoft.com/office/drawing/2014/main" id="{0266D3F6-82D5-437B-AC00-2DDC88D276F7}"/>
+                <a16:creationId xmlns:a16="http://schemas.microsoft.com/office/drawing/2014/main" xmlns="" id="{0266D3F6-82D5-437B-AC00-2DDC88D276F7}"/>
               </a:ext>
             </a:extLst>
           </p:cNvPr>
@@ -7260,7 +7408,7 @@
           <p:cNvPr id="2" name="Title 1">
             <a:extLst>
               <a:ext uri="{FF2B5EF4-FFF2-40B4-BE49-F238E27FC236}">
-                <a16:creationId xmlns="" xmlns:a16="http://schemas.microsoft.com/office/drawing/2014/main" id="{0266D3F6-82D5-437B-AC00-2DDC88D276F7}"/>
+                <a16:creationId xmlns:a16="http://schemas.microsoft.com/office/drawing/2014/main" xmlns="" id="{0266D3F6-82D5-437B-AC00-2DDC88D276F7}"/>
               </a:ext>
             </a:extLst>
           </p:cNvPr>
@@ -8566,7 +8714,7 @@
           <p:cNvPr id="11" name="Content Placeholder 10">
             <a:extLst>
               <a:ext uri="{FF2B5EF4-FFF2-40B4-BE49-F238E27FC236}">
-                <a16:creationId xmlns="" xmlns:a16="http://schemas.microsoft.com/office/drawing/2014/main" id="{CAB5FB1C-E97A-4FAE-BE41-9020D2EB36EA}"/>
+                <a16:creationId xmlns:a16="http://schemas.microsoft.com/office/drawing/2014/main" xmlns="" id="{CAB5FB1C-E97A-4FAE-BE41-9020D2EB36EA}"/>
               </a:ext>
             </a:extLst>
           </p:cNvPr>
@@ -8601,7 +8749,7 @@
           <p:cNvPr id="4" name="Picture 3">
             <a:extLst>
               <a:ext uri="{FF2B5EF4-FFF2-40B4-BE49-F238E27FC236}">
-                <a16:creationId xmlns="" xmlns:a16="http://schemas.microsoft.com/office/drawing/2014/main" id="{1E7784F5-D686-4849-BC9A-D6E22FFB50DA}"/>
+                <a16:creationId xmlns:a16="http://schemas.microsoft.com/office/drawing/2014/main" xmlns="" id="{1E7784F5-D686-4849-BC9A-D6E22FFB50DA}"/>
               </a:ext>
             </a:extLst>
           </p:cNvPr>
@@ -8753,7 +8901,7 @@
           <p:cNvPr id="2" name="Title 1">
             <a:extLst>
               <a:ext uri="{FF2B5EF4-FFF2-40B4-BE49-F238E27FC236}">
-                <a16:creationId xmlns="" xmlns:a16="http://schemas.microsoft.com/office/drawing/2014/main" id="{0266D3F6-82D5-437B-AC00-2DDC88D276F7}"/>
+                <a16:creationId xmlns:a16="http://schemas.microsoft.com/office/drawing/2014/main" xmlns="" id="{0266D3F6-82D5-437B-AC00-2DDC88D276F7}"/>
               </a:ext>
             </a:extLst>
           </p:cNvPr>
@@ -9128,7 +9276,7 @@
           <p:cNvPr id="2" name="Title 1">
             <a:extLst>
               <a:ext uri="{FF2B5EF4-FFF2-40B4-BE49-F238E27FC236}">
-                <a16:creationId xmlns="" xmlns:a16="http://schemas.microsoft.com/office/drawing/2014/main" id="{0266D3F6-82D5-437B-AC00-2DDC88D276F7}"/>
+                <a16:creationId xmlns:a16="http://schemas.microsoft.com/office/drawing/2014/main" xmlns="" id="{0266D3F6-82D5-437B-AC00-2DDC88D276F7}"/>
               </a:ext>
             </a:extLst>
           </p:cNvPr>
@@ -10059,7 +10207,7 @@
           <p:cNvPr id="2" name="Title 1">
             <a:extLst>
               <a:ext uri="{FF2B5EF4-FFF2-40B4-BE49-F238E27FC236}">
-                <a16:creationId xmlns="" xmlns:a16="http://schemas.microsoft.com/office/drawing/2014/main" id="{0266D3F6-82D5-437B-AC00-2DDC88D276F7}"/>
+                <a16:creationId xmlns:a16="http://schemas.microsoft.com/office/drawing/2014/main" xmlns="" id="{0266D3F6-82D5-437B-AC00-2DDC88D276F7}"/>
               </a:ext>
             </a:extLst>
           </p:cNvPr>
@@ -10520,7 +10668,7 @@
           <p:cNvPr id="2" name="Title 1">
             <a:extLst>
               <a:ext uri="{FF2B5EF4-FFF2-40B4-BE49-F238E27FC236}">
-                <a16:creationId xmlns="" xmlns:a16="http://schemas.microsoft.com/office/drawing/2014/main" id="{0266D3F6-82D5-437B-AC00-2DDC88D276F7}"/>
+                <a16:creationId xmlns:a16="http://schemas.microsoft.com/office/drawing/2014/main" xmlns="" id="{0266D3F6-82D5-437B-AC00-2DDC88D276F7}"/>
               </a:ext>
             </a:extLst>
           </p:cNvPr>
@@ -10602,7 +10750,7 @@
           <p:cNvPr id="2" name="Title 1">
             <a:extLst>
               <a:ext uri="{FF2B5EF4-FFF2-40B4-BE49-F238E27FC236}">
-                <a16:creationId xmlns="" xmlns:a16="http://schemas.microsoft.com/office/drawing/2014/main" id="{0266D3F6-82D5-437B-AC00-2DDC88D276F7}"/>
+                <a16:creationId xmlns:a16="http://schemas.microsoft.com/office/drawing/2014/main" xmlns="" id="{0266D3F6-82D5-437B-AC00-2DDC88D276F7}"/>
               </a:ext>
             </a:extLst>
           </p:cNvPr>
@@ -11893,7 +12041,7 @@
           <p:cNvPr id="2" name="Title 1">
             <a:extLst>
               <a:ext uri="{FF2B5EF4-FFF2-40B4-BE49-F238E27FC236}">
-                <a16:creationId xmlns="" xmlns:a16="http://schemas.microsoft.com/office/drawing/2014/main" id="{0266D3F6-82D5-437B-AC00-2DDC88D276F7}"/>
+                <a16:creationId xmlns:a16="http://schemas.microsoft.com/office/drawing/2014/main" xmlns="" id="{0266D3F6-82D5-437B-AC00-2DDC88D276F7}"/>
               </a:ext>
             </a:extLst>
           </p:cNvPr>
@@ -11980,7 +12128,7 @@
           <p:cNvPr id="2" name="Title 1">
             <a:extLst>
               <a:ext uri="{FF2B5EF4-FFF2-40B4-BE49-F238E27FC236}">
-                <a16:creationId xmlns="" xmlns:a16="http://schemas.microsoft.com/office/drawing/2014/main" id="{0266D3F6-82D5-437B-AC00-2DDC88D276F7}"/>
+                <a16:creationId xmlns:a16="http://schemas.microsoft.com/office/drawing/2014/main" xmlns="" id="{0266D3F6-82D5-437B-AC00-2DDC88D276F7}"/>
               </a:ext>
             </a:extLst>
           </p:cNvPr>
@@ -12007,15 +12155,7 @@
                   <a:schemeClr val="bg1"/>
                 </a:solidFill>
               </a:rPr>
-              <a:t>Service/</a:t>
-            </a:r>
-            <a:r>
-              <a:rPr lang="en-US" dirty="0" smtClean="0">
-                <a:solidFill>
-                  <a:schemeClr val="bg1"/>
-                </a:solidFill>
-              </a:rPr>
-              <a:t>API </a:t>
+              <a:t>Service/API </a:t>
             </a:r>
             <a:r>
               <a:rPr lang="en-US" dirty="0">
@@ -13891,7 +14031,7 @@
           <p:cNvPr id="2" name="Title 1">
             <a:extLst>
               <a:ext uri="{FF2B5EF4-FFF2-40B4-BE49-F238E27FC236}">
-                <a16:creationId xmlns="" xmlns:a16="http://schemas.microsoft.com/office/drawing/2014/main" id="{0266D3F6-82D5-437B-AC00-2DDC88D276F7}"/>
+                <a16:creationId xmlns:a16="http://schemas.microsoft.com/office/drawing/2014/main" xmlns="" id="{0266D3F6-82D5-437B-AC00-2DDC88D276F7}"/>
               </a:ext>
             </a:extLst>
           </p:cNvPr>
@@ -16402,15 +16542,47 @@
                 <a:latin typeface="Arial" pitchFamily="34" charset="0"/>
                 <a:cs typeface="Arial" pitchFamily="34" charset="0"/>
               </a:rPr>
-              <a:t>//Tag[attribute</a:t>
-            </a:r>
-            <a:r>
-              <a:rPr lang="en-US" sz="2000" dirty="0">
-                <a:latin typeface="Arial" pitchFamily="34" charset="0"/>
-                <a:cs typeface="Arial" pitchFamily="34" charset="0"/>
-              </a:rPr>
-              <a:t>=‘some value’]</a:t>
-            </a:r>
+              <a:t>//</a:t>
+            </a:r>
+            <a:r>
+              <a:rPr lang="en-US" sz="2000" dirty="0" smtClean="0">
+                <a:latin typeface="Arial" pitchFamily="34" charset="0"/>
+                <a:cs typeface="Arial" pitchFamily="34" charset="0"/>
+              </a:rPr>
+              <a:t>Tag[@</a:t>
+            </a:r>
+            <a:r>
+              <a:rPr lang="en-US" sz="2000" dirty="0" err="1" smtClean="0">
+                <a:latin typeface="Arial" pitchFamily="34" charset="0"/>
+                <a:cs typeface="Arial" pitchFamily="34" charset="0"/>
+              </a:rPr>
+              <a:t>attributename</a:t>
+            </a:r>
+            <a:r>
+              <a:rPr lang="en-US" sz="2000" dirty="0" smtClean="0">
+                <a:latin typeface="Arial" pitchFamily="34" charset="0"/>
+                <a:cs typeface="Arial" pitchFamily="34" charset="0"/>
+              </a:rPr>
+              <a:t>=‘</a:t>
+            </a:r>
+            <a:r>
+              <a:rPr lang="en-US" sz="2000" dirty="0" err="1" smtClean="0">
+                <a:latin typeface="Arial" pitchFamily="34" charset="0"/>
+                <a:cs typeface="Arial" pitchFamily="34" charset="0"/>
+              </a:rPr>
+              <a:t>att</a:t>
+            </a:r>
+            <a:r>
+              <a:rPr lang="en-US" sz="2000" dirty="0" smtClean="0">
+                <a:latin typeface="Arial" pitchFamily="34" charset="0"/>
+                <a:cs typeface="Arial" pitchFamily="34" charset="0"/>
+              </a:rPr>
+              <a:t> value’]</a:t>
+            </a:r>
+            <a:endParaRPr lang="en-US" sz="2000" dirty="0">
+              <a:latin typeface="Arial" pitchFamily="34" charset="0"/>
+              <a:cs typeface="Arial" pitchFamily="34" charset="0"/>
+            </a:endParaRPr>
           </a:p>
           <a:p>
             <a:pPr>
